--- a/ipsj/figure/DynamicConnection.pptx
+++ b/ipsj/figure/DynamicConnection.pptx
@@ -2,7 +2,7 @@
 <file path=ppt/presentation.xml><?xml version="1.0" encoding="utf-8"?>
 <p:presentation xmlns:a="http://schemas.openxmlformats.org/drawingml/2006/main" xmlns:r="http://schemas.openxmlformats.org/officeDocument/2006/relationships" xmlns:p="http://schemas.openxmlformats.org/presentationml/2006/main" saveSubsetFonts="1">
   <p:sldMasterIdLst>
-    <p:sldMasterId id="2147483660" r:id="rId1"/>
+    <p:sldMasterId id="2147483696" r:id="rId1"/>
   </p:sldMasterIdLst>
   <p:notesMasterIdLst>
     <p:notesMasterId r:id="rId3"/>
@@ -10,14 +10,14 @@
   <p:sldIdLst>
     <p:sldId id="260" r:id="rId2"/>
   </p:sldIdLst>
-  <p:sldSz cx="12192000" cy="5418138"/>
+  <p:sldSz cx="12192000" cy="2879725"/>
   <p:notesSz cx="6451600" cy="9321800"/>
   <p:defaultTextStyle>
     <a:defPPr>
-      <a:defRPr lang="ja-JP"/>
+      <a:defRPr lang="en-US"/>
     </a:defPPr>
-    <a:lvl1pPr marL="0" algn="l" defTabSz="914400" rtl="0" eaLnBrk="1" latinLnBrk="0" hangingPunct="1">
-      <a:defRPr kumimoji="1" sz="1800" kern="1200">
+    <a:lvl1pPr marL="0" algn="l" defTabSz="457200" rtl="0" eaLnBrk="1" latinLnBrk="0" hangingPunct="1">
+      <a:defRPr sz="1800" kern="1200">
         <a:solidFill>
           <a:schemeClr val="tx1"/>
         </a:solidFill>
@@ -26,8 +26,8 @@
         <a:cs typeface="+mn-cs"/>
       </a:defRPr>
     </a:lvl1pPr>
-    <a:lvl2pPr marL="457200" algn="l" defTabSz="914400" rtl="0" eaLnBrk="1" latinLnBrk="0" hangingPunct="1">
-      <a:defRPr kumimoji="1" sz="1800" kern="1200">
+    <a:lvl2pPr marL="457200" algn="l" defTabSz="457200" rtl="0" eaLnBrk="1" latinLnBrk="0" hangingPunct="1">
+      <a:defRPr sz="1800" kern="1200">
         <a:solidFill>
           <a:schemeClr val="tx1"/>
         </a:solidFill>
@@ -36,8 +36,8 @@
         <a:cs typeface="+mn-cs"/>
       </a:defRPr>
     </a:lvl2pPr>
-    <a:lvl3pPr marL="914400" algn="l" defTabSz="914400" rtl="0" eaLnBrk="1" latinLnBrk="0" hangingPunct="1">
-      <a:defRPr kumimoji="1" sz="1800" kern="1200">
+    <a:lvl3pPr marL="914400" algn="l" defTabSz="457200" rtl="0" eaLnBrk="1" latinLnBrk="0" hangingPunct="1">
+      <a:defRPr sz="1800" kern="1200">
         <a:solidFill>
           <a:schemeClr val="tx1"/>
         </a:solidFill>
@@ -46,8 +46,8 @@
         <a:cs typeface="+mn-cs"/>
       </a:defRPr>
     </a:lvl3pPr>
-    <a:lvl4pPr marL="1371600" algn="l" defTabSz="914400" rtl="0" eaLnBrk="1" latinLnBrk="0" hangingPunct="1">
-      <a:defRPr kumimoji="1" sz="1800" kern="1200">
+    <a:lvl4pPr marL="1371600" algn="l" defTabSz="457200" rtl="0" eaLnBrk="1" latinLnBrk="0" hangingPunct="1">
+      <a:defRPr sz="1800" kern="1200">
         <a:solidFill>
           <a:schemeClr val="tx1"/>
         </a:solidFill>
@@ -56,8 +56,8 @@
         <a:cs typeface="+mn-cs"/>
       </a:defRPr>
     </a:lvl4pPr>
-    <a:lvl5pPr marL="1828800" algn="l" defTabSz="914400" rtl="0" eaLnBrk="1" latinLnBrk="0" hangingPunct="1">
-      <a:defRPr kumimoji="1" sz="1800" kern="1200">
+    <a:lvl5pPr marL="1828800" algn="l" defTabSz="457200" rtl="0" eaLnBrk="1" latinLnBrk="0" hangingPunct="1">
+      <a:defRPr sz="1800" kern="1200">
         <a:solidFill>
           <a:schemeClr val="tx1"/>
         </a:solidFill>
@@ -66,8 +66,8 @@
         <a:cs typeface="+mn-cs"/>
       </a:defRPr>
     </a:lvl5pPr>
-    <a:lvl6pPr marL="2286000" algn="l" defTabSz="914400" rtl="0" eaLnBrk="1" latinLnBrk="0" hangingPunct="1">
-      <a:defRPr kumimoji="1" sz="1800" kern="1200">
+    <a:lvl6pPr marL="2286000" algn="l" defTabSz="457200" rtl="0" eaLnBrk="1" latinLnBrk="0" hangingPunct="1">
+      <a:defRPr sz="1800" kern="1200">
         <a:solidFill>
           <a:schemeClr val="tx1"/>
         </a:solidFill>
@@ -76,8 +76,8 @@
         <a:cs typeface="+mn-cs"/>
       </a:defRPr>
     </a:lvl6pPr>
-    <a:lvl7pPr marL="2743200" algn="l" defTabSz="914400" rtl="0" eaLnBrk="1" latinLnBrk="0" hangingPunct="1">
-      <a:defRPr kumimoji="1" sz="1800" kern="1200">
+    <a:lvl7pPr marL="2743200" algn="l" defTabSz="457200" rtl="0" eaLnBrk="1" latinLnBrk="0" hangingPunct="1">
+      <a:defRPr sz="1800" kern="1200">
         <a:solidFill>
           <a:schemeClr val="tx1"/>
         </a:solidFill>
@@ -86,8 +86,8 @@
         <a:cs typeface="+mn-cs"/>
       </a:defRPr>
     </a:lvl7pPr>
-    <a:lvl8pPr marL="3200400" algn="l" defTabSz="914400" rtl="0" eaLnBrk="1" latinLnBrk="0" hangingPunct="1">
-      <a:defRPr kumimoji="1" sz="1800" kern="1200">
+    <a:lvl8pPr marL="3200400" algn="l" defTabSz="457200" rtl="0" eaLnBrk="1" latinLnBrk="0" hangingPunct="1">
+      <a:defRPr sz="1800" kern="1200">
         <a:solidFill>
           <a:schemeClr val="tx1"/>
         </a:solidFill>
@@ -96,8 +96,8 @@
         <a:cs typeface="+mn-cs"/>
       </a:defRPr>
     </a:lvl8pPr>
-    <a:lvl9pPr marL="3657600" algn="l" defTabSz="914400" rtl="0" eaLnBrk="1" latinLnBrk="0" hangingPunct="1">
-      <a:defRPr kumimoji="1" sz="1800" kern="1200">
+    <a:lvl9pPr marL="3657600" algn="l" defTabSz="457200" rtl="0" eaLnBrk="1" latinLnBrk="0" hangingPunct="1">
+      <a:defRPr sz="1800" kern="1200">
         <a:solidFill>
           <a:schemeClr val="tx1"/>
         </a:solidFill>
@@ -197,7 +197,7 @@
           <a:p>
             <a:fld id="{00D06802-B8EF-4FD8-9511-F1F928CF3A55}" type="datetimeFigureOut">
               <a:rPr kumimoji="1" lang="ja-JP" altLang="en-US" smtClean="0"/>
-              <a:t>2017/2/3</a:t>
+              <a:t>2017/11/16</a:t>
             </a:fld>
             <a:endParaRPr kumimoji="1" lang="ja-JP" altLang="en-US"/>
           </a:p>
@@ -215,8 +215,8 @@
         </p:nvSpPr>
         <p:spPr>
           <a:xfrm>
-            <a:off x="-312738" y="1165225"/>
-            <a:ext cx="7077076" cy="3146425"/>
+            <a:off x="-3433763" y="1165225"/>
+            <a:ext cx="13319126" cy="3146425"/>
           </a:xfrm>
           <a:prstGeom prst="rect">
             <a:avLst/>
@@ -526,15 +526,15 @@
         </p:nvSpPr>
         <p:spPr>
           <a:xfrm>
-            <a:off x="1524000" y="886719"/>
-            <a:ext cx="9144000" cy="1886315"/>
+            <a:off x="1524000" y="471289"/>
+            <a:ext cx="9144000" cy="1002571"/>
           </a:xfrm>
         </p:spPr>
         <p:txBody>
           <a:bodyPr anchor="b"/>
           <a:lstStyle>
             <a:lvl1pPr algn="ctr">
-              <a:defRPr sz="4740"/>
+              <a:defRPr sz="2519"/>
             </a:lvl1pPr>
           </a:lstStyle>
           <a:p>
@@ -558,8 +558,8 @@
         </p:nvSpPr>
         <p:spPr>
           <a:xfrm>
-            <a:off x="1524000" y="2845777"/>
-            <a:ext cx="9144000" cy="1308129"/>
+            <a:off x="1524000" y="1512522"/>
+            <a:ext cx="9144000" cy="695267"/>
           </a:xfrm>
         </p:spPr>
         <p:txBody>
@@ -567,39 +567,39 @@
           <a:lstStyle>
             <a:lvl1pPr marL="0" indent="0" algn="ctr">
               <a:buNone/>
-              <a:defRPr sz="1896"/>
+              <a:defRPr sz="1008"/>
             </a:lvl1pPr>
-            <a:lvl2pPr marL="361188" indent="0" algn="ctr">
-              <a:buNone/>
-              <a:defRPr sz="1580"/>
+            <a:lvl2pPr marL="191978" indent="0" algn="ctr">
+              <a:buNone/>
+              <a:defRPr sz="840"/>
             </a:lvl2pPr>
-            <a:lvl3pPr marL="722376" indent="0" algn="ctr">
-              <a:buNone/>
-              <a:defRPr sz="1422"/>
+            <a:lvl3pPr marL="383957" indent="0" algn="ctr">
+              <a:buNone/>
+              <a:defRPr sz="756"/>
             </a:lvl3pPr>
-            <a:lvl4pPr marL="1083564" indent="0" algn="ctr">
-              <a:buNone/>
-              <a:defRPr sz="1264"/>
+            <a:lvl4pPr marL="575935" indent="0" algn="ctr">
+              <a:buNone/>
+              <a:defRPr sz="672"/>
             </a:lvl4pPr>
-            <a:lvl5pPr marL="1444752" indent="0" algn="ctr">
-              <a:buNone/>
-              <a:defRPr sz="1264"/>
+            <a:lvl5pPr marL="767913" indent="0" algn="ctr">
+              <a:buNone/>
+              <a:defRPr sz="672"/>
             </a:lvl5pPr>
-            <a:lvl6pPr marL="1805940" indent="0" algn="ctr">
-              <a:buNone/>
-              <a:defRPr sz="1264"/>
+            <a:lvl6pPr marL="959891" indent="0" algn="ctr">
+              <a:buNone/>
+              <a:defRPr sz="672"/>
             </a:lvl6pPr>
-            <a:lvl7pPr marL="2167128" indent="0" algn="ctr">
-              <a:buNone/>
-              <a:defRPr sz="1264"/>
+            <a:lvl7pPr marL="1151870" indent="0" algn="ctr">
+              <a:buNone/>
+              <a:defRPr sz="672"/>
             </a:lvl7pPr>
-            <a:lvl8pPr marL="2528316" indent="0" algn="ctr">
-              <a:buNone/>
-              <a:defRPr sz="1264"/>
+            <a:lvl8pPr marL="1343848" indent="0" algn="ctr">
+              <a:buNone/>
+              <a:defRPr sz="672"/>
             </a:lvl8pPr>
-            <a:lvl9pPr marL="2889504" indent="0" algn="ctr">
-              <a:buNone/>
-              <a:defRPr sz="1264"/>
+            <a:lvl9pPr marL="1535826" indent="0" algn="ctr">
+              <a:buNone/>
+              <a:defRPr sz="672"/>
             </a:lvl9pPr>
           </a:lstStyle>
           <a:p>
@@ -628,7 +628,7 @@
           <a:p>
             <a:fld id="{AA641DB4-C951-4763-94FC-F650C3AA7E65}" type="datetimeFigureOut">
               <a:rPr kumimoji="1" lang="ja-JP" altLang="en-US" smtClean="0"/>
-              <a:t>2017/2/3</a:t>
+              <a:t>2017/11/16</a:t>
             </a:fld>
             <a:endParaRPr kumimoji="1" lang="ja-JP" altLang="en-US"/>
           </a:p>
@@ -679,7 +679,7 @@
     </p:spTree>
     <p:extLst>
       <p:ext uri="{BB962C8B-B14F-4D97-AF65-F5344CB8AC3E}">
-        <p14:creationId xmlns:p14="http://schemas.microsoft.com/office/powerpoint/2010/main" val="3310981933"/>
+        <p14:creationId xmlns:p14="http://schemas.microsoft.com/office/powerpoint/2010/main" val="2627197911"/>
       </p:ext>
     </p:extLst>
   </p:cSld>
@@ -830,7 +830,7 @@
           <a:p>
             <a:fld id="{AA641DB4-C951-4763-94FC-F650C3AA7E65}" type="datetimeFigureOut">
               <a:rPr kumimoji="1" lang="ja-JP" altLang="en-US" smtClean="0"/>
-              <a:t>2017/2/3</a:t>
+              <a:t>2017/11/16</a:t>
             </a:fld>
             <a:endParaRPr kumimoji="1" lang="ja-JP" altLang="en-US"/>
           </a:p>
@@ -881,7 +881,7 @@
     </p:spTree>
     <p:extLst>
       <p:ext uri="{BB962C8B-B14F-4D97-AF65-F5344CB8AC3E}">
-        <p14:creationId xmlns:p14="http://schemas.microsoft.com/office/powerpoint/2010/main" val="1785814711"/>
+        <p14:creationId xmlns:p14="http://schemas.microsoft.com/office/powerpoint/2010/main" val="3461525629"/>
       </p:ext>
     </p:extLst>
   </p:cSld>
@@ -920,8 +920,8 @@
         </p:nvSpPr>
         <p:spPr>
           <a:xfrm>
-            <a:off x="8724900" y="288465"/>
-            <a:ext cx="2628900" cy="4591622"/>
+            <a:off x="8724900" y="153319"/>
+            <a:ext cx="2628900" cy="2440434"/>
           </a:xfrm>
         </p:spPr>
         <p:txBody>
@@ -948,8 +948,8 @@
         </p:nvSpPr>
         <p:spPr>
           <a:xfrm>
-            <a:off x="838200" y="288465"/>
-            <a:ext cx="7734300" cy="4591622"/>
+            <a:off x="838200" y="153319"/>
+            <a:ext cx="7734300" cy="2440434"/>
           </a:xfrm>
         </p:spPr>
         <p:txBody>
@@ -1042,7 +1042,7 @@
           <a:p>
             <a:fld id="{AA641DB4-C951-4763-94FC-F650C3AA7E65}" type="datetimeFigureOut">
               <a:rPr kumimoji="1" lang="ja-JP" altLang="en-US" smtClean="0"/>
-              <a:t>2017/2/3</a:t>
+              <a:t>2017/11/16</a:t>
             </a:fld>
             <a:endParaRPr kumimoji="1" lang="ja-JP" altLang="en-US"/>
           </a:p>
@@ -1093,7 +1093,7 @@
     </p:spTree>
     <p:extLst>
       <p:ext uri="{BB962C8B-B14F-4D97-AF65-F5344CB8AC3E}">
-        <p14:creationId xmlns:p14="http://schemas.microsoft.com/office/powerpoint/2010/main" val="258932250"/>
+        <p14:creationId xmlns:p14="http://schemas.microsoft.com/office/powerpoint/2010/main" val="1043433632"/>
       </p:ext>
     </p:extLst>
   </p:cSld>
@@ -1244,7 +1244,7 @@
           <a:p>
             <a:fld id="{AA641DB4-C951-4763-94FC-F650C3AA7E65}" type="datetimeFigureOut">
               <a:rPr kumimoji="1" lang="ja-JP" altLang="en-US" smtClean="0"/>
-              <a:t>2017/2/3</a:t>
+              <a:t>2017/11/16</a:t>
             </a:fld>
             <a:endParaRPr kumimoji="1" lang="ja-JP" altLang="en-US"/>
           </a:p>
@@ -1295,7 +1295,7 @@
     </p:spTree>
     <p:extLst>
       <p:ext uri="{BB962C8B-B14F-4D97-AF65-F5344CB8AC3E}">
-        <p14:creationId xmlns:p14="http://schemas.microsoft.com/office/powerpoint/2010/main" val="2680338012"/>
+        <p14:creationId xmlns:p14="http://schemas.microsoft.com/office/powerpoint/2010/main" val="3570298214"/>
       </p:ext>
     </p:extLst>
   </p:cSld>
@@ -1334,15 +1334,15 @@
         </p:nvSpPr>
         <p:spPr>
           <a:xfrm>
-            <a:off x="831850" y="1350772"/>
-            <a:ext cx="10515600" cy="2253795"/>
+            <a:off x="831850" y="717932"/>
+            <a:ext cx="10515600" cy="1197885"/>
           </a:xfrm>
         </p:spPr>
         <p:txBody>
           <a:bodyPr anchor="b"/>
           <a:lstStyle>
             <a:lvl1pPr>
-              <a:defRPr sz="4740"/>
+              <a:defRPr sz="2519"/>
             </a:lvl1pPr>
           </a:lstStyle>
           <a:p>
@@ -1366,8 +1366,8 @@
         </p:nvSpPr>
         <p:spPr>
           <a:xfrm>
-            <a:off x="831850" y="3625889"/>
-            <a:ext cx="10515600" cy="1185217"/>
+            <a:off x="831850" y="1927150"/>
+            <a:ext cx="10515600" cy="629940"/>
           </a:xfrm>
         </p:spPr>
         <p:txBody>
@@ -1375,7 +1375,7 @@
           <a:lstStyle>
             <a:lvl1pPr marL="0" indent="0">
               <a:buNone/>
-              <a:defRPr sz="1896">
+              <a:defRPr sz="1008">
                 <a:solidFill>
                   <a:schemeClr val="tx1">
                     <a:tint val="75000"/>
@@ -1383,9 +1383,9 @@
                 </a:solidFill>
               </a:defRPr>
             </a:lvl1pPr>
-            <a:lvl2pPr marL="361188" indent="0">
-              <a:buNone/>
-              <a:defRPr sz="1580">
+            <a:lvl2pPr marL="191978" indent="0">
+              <a:buNone/>
+              <a:defRPr sz="840">
                 <a:solidFill>
                   <a:schemeClr val="tx1">
                     <a:tint val="75000"/>
@@ -1393,9 +1393,9 @@
                 </a:solidFill>
               </a:defRPr>
             </a:lvl2pPr>
-            <a:lvl3pPr marL="722376" indent="0">
-              <a:buNone/>
-              <a:defRPr sz="1422">
+            <a:lvl3pPr marL="383957" indent="0">
+              <a:buNone/>
+              <a:defRPr sz="756">
                 <a:solidFill>
                   <a:schemeClr val="tx1">
                     <a:tint val="75000"/>
@@ -1403,9 +1403,9 @@
                 </a:solidFill>
               </a:defRPr>
             </a:lvl3pPr>
-            <a:lvl4pPr marL="1083564" indent="0">
-              <a:buNone/>
-              <a:defRPr sz="1264">
+            <a:lvl4pPr marL="575935" indent="0">
+              <a:buNone/>
+              <a:defRPr sz="672">
                 <a:solidFill>
                   <a:schemeClr val="tx1">
                     <a:tint val="75000"/>
@@ -1413,9 +1413,9 @@
                 </a:solidFill>
               </a:defRPr>
             </a:lvl4pPr>
-            <a:lvl5pPr marL="1444752" indent="0">
-              <a:buNone/>
-              <a:defRPr sz="1264">
+            <a:lvl5pPr marL="767913" indent="0">
+              <a:buNone/>
+              <a:defRPr sz="672">
                 <a:solidFill>
                   <a:schemeClr val="tx1">
                     <a:tint val="75000"/>
@@ -1423,9 +1423,9 @@
                 </a:solidFill>
               </a:defRPr>
             </a:lvl5pPr>
-            <a:lvl6pPr marL="1805940" indent="0">
-              <a:buNone/>
-              <a:defRPr sz="1264">
+            <a:lvl6pPr marL="959891" indent="0">
+              <a:buNone/>
+              <a:defRPr sz="672">
                 <a:solidFill>
                   <a:schemeClr val="tx1">
                     <a:tint val="75000"/>
@@ -1433,9 +1433,9 @@
                 </a:solidFill>
               </a:defRPr>
             </a:lvl6pPr>
-            <a:lvl7pPr marL="2167128" indent="0">
-              <a:buNone/>
-              <a:defRPr sz="1264">
+            <a:lvl7pPr marL="1151870" indent="0">
+              <a:buNone/>
+              <a:defRPr sz="672">
                 <a:solidFill>
                   <a:schemeClr val="tx1">
                     <a:tint val="75000"/>
@@ -1443,9 +1443,9 @@
                 </a:solidFill>
               </a:defRPr>
             </a:lvl7pPr>
-            <a:lvl8pPr marL="2528316" indent="0">
-              <a:buNone/>
-              <a:defRPr sz="1264">
+            <a:lvl8pPr marL="1343848" indent="0">
+              <a:buNone/>
+              <a:defRPr sz="672">
                 <a:solidFill>
                   <a:schemeClr val="tx1">
                     <a:tint val="75000"/>
@@ -1453,9 +1453,9 @@
                 </a:solidFill>
               </a:defRPr>
             </a:lvl8pPr>
-            <a:lvl9pPr marL="2889504" indent="0">
-              <a:buNone/>
-              <a:defRPr sz="1264">
+            <a:lvl9pPr marL="1535826" indent="0">
+              <a:buNone/>
+              <a:defRPr sz="672">
                 <a:solidFill>
                   <a:schemeClr val="tx1">
                     <a:tint val="75000"/>
@@ -1490,7 +1490,7 @@
           <a:p>
             <a:fld id="{AA641DB4-C951-4763-94FC-F650C3AA7E65}" type="datetimeFigureOut">
               <a:rPr kumimoji="1" lang="ja-JP" altLang="en-US" smtClean="0"/>
-              <a:t>2017/2/3</a:t>
+              <a:t>2017/11/16</a:t>
             </a:fld>
             <a:endParaRPr kumimoji="1" lang="ja-JP" altLang="en-US"/>
           </a:p>
@@ -1541,7 +1541,7 @@
     </p:spTree>
     <p:extLst>
       <p:ext uri="{BB962C8B-B14F-4D97-AF65-F5344CB8AC3E}">
-        <p14:creationId xmlns:p14="http://schemas.microsoft.com/office/powerpoint/2010/main" val="488806659"/>
+        <p14:creationId xmlns:p14="http://schemas.microsoft.com/office/powerpoint/2010/main" val="2627344271"/>
       </p:ext>
     </p:extLst>
   </p:cSld>
@@ -1603,8 +1603,8 @@
         </p:nvSpPr>
         <p:spPr>
           <a:xfrm>
-            <a:off x="838200" y="1442328"/>
-            <a:ext cx="5181600" cy="3437759"/>
+            <a:off x="838200" y="766593"/>
+            <a:ext cx="5181600" cy="1827159"/>
           </a:xfrm>
         </p:spPr>
         <p:txBody>
@@ -1692,8 +1692,8 @@
         </p:nvSpPr>
         <p:spPr>
           <a:xfrm>
-            <a:off x="6172200" y="1442328"/>
-            <a:ext cx="5181600" cy="3437759"/>
+            <a:off x="6172200" y="766593"/>
+            <a:ext cx="5181600" cy="1827159"/>
           </a:xfrm>
         </p:spPr>
         <p:txBody>
@@ -1786,7 +1786,7 @@
           <a:p>
             <a:fld id="{AA641DB4-C951-4763-94FC-F650C3AA7E65}" type="datetimeFigureOut">
               <a:rPr kumimoji="1" lang="ja-JP" altLang="en-US" smtClean="0"/>
-              <a:t>2017/2/3</a:t>
+              <a:t>2017/11/16</a:t>
             </a:fld>
             <a:endParaRPr kumimoji="1" lang="ja-JP" altLang="en-US"/>
           </a:p>
@@ -1837,7 +1837,7 @@
     </p:spTree>
     <p:extLst>
       <p:ext uri="{BB962C8B-B14F-4D97-AF65-F5344CB8AC3E}">
-        <p14:creationId xmlns:p14="http://schemas.microsoft.com/office/powerpoint/2010/main" val="589337649"/>
+        <p14:creationId xmlns:p14="http://schemas.microsoft.com/office/powerpoint/2010/main" val="303029539"/>
       </p:ext>
     </p:extLst>
   </p:cSld>
@@ -1876,8 +1876,8 @@
         </p:nvSpPr>
         <p:spPr>
           <a:xfrm>
-            <a:off x="839788" y="288466"/>
-            <a:ext cx="10515600" cy="1047256"/>
+            <a:off x="839788" y="153319"/>
+            <a:ext cx="10515600" cy="556614"/>
           </a:xfrm>
         </p:spPr>
         <p:txBody>
@@ -1904,8 +1904,8 @@
         </p:nvSpPr>
         <p:spPr>
           <a:xfrm>
-            <a:off x="839789" y="1328197"/>
-            <a:ext cx="5157787" cy="650929"/>
+            <a:off x="839789" y="705933"/>
+            <a:ext cx="5157787" cy="345967"/>
           </a:xfrm>
         </p:spPr>
         <p:txBody>
@@ -1913,39 +1913,39 @@
           <a:lstStyle>
             <a:lvl1pPr marL="0" indent="0">
               <a:buNone/>
-              <a:defRPr sz="1896" b="1"/>
+              <a:defRPr sz="1008" b="1"/>
             </a:lvl1pPr>
-            <a:lvl2pPr marL="361188" indent="0">
-              <a:buNone/>
-              <a:defRPr sz="1580" b="1"/>
+            <a:lvl2pPr marL="191978" indent="0">
+              <a:buNone/>
+              <a:defRPr sz="840" b="1"/>
             </a:lvl2pPr>
-            <a:lvl3pPr marL="722376" indent="0">
-              <a:buNone/>
-              <a:defRPr sz="1422" b="1"/>
+            <a:lvl3pPr marL="383957" indent="0">
+              <a:buNone/>
+              <a:defRPr sz="756" b="1"/>
             </a:lvl3pPr>
-            <a:lvl4pPr marL="1083564" indent="0">
-              <a:buNone/>
-              <a:defRPr sz="1264" b="1"/>
+            <a:lvl4pPr marL="575935" indent="0">
+              <a:buNone/>
+              <a:defRPr sz="672" b="1"/>
             </a:lvl4pPr>
-            <a:lvl5pPr marL="1444752" indent="0">
-              <a:buNone/>
-              <a:defRPr sz="1264" b="1"/>
+            <a:lvl5pPr marL="767913" indent="0">
+              <a:buNone/>
+              <a:defRPr sz="672" b="1"/>
             </a:lvl5pPr>
-            <a:lvl6pPr marL="1805940" indent="0">
-              <a:buNone/>
-              <a:defRPr sz="1264" b="1"/>
+            <a:lvl6pPr marL="959891" indent="0">
+              <a:buNone/>
+              <a:defRPr sz="672" b="1"/>
             </a:lvl6pPr>
-            <a:lvl7pPr marL="2167128" indent="0">
-              <a:buNone/>
-              <a:defRPr sz="1264" b="1"/>
+            <a:lvl7pPr marL="1151870" indent="0">
+              <a:buNone/>
+              <a:defRPr sz="672" b="1"/>
             </a:lvl7pPr>
-            <a:lvl8pPr marL="2528316" indent="0">
-              <a:buNone/>
-              <a:defRPr sz="1264" b="1"/>
+            <a:lvl8pPr marL="1343848" indent="0">
+              <a:buNone/>
+              <a:defRPr sz="672" b="1"/>
             </a:lvl8pPr>
-            <a:lvl9pPr marL="2889504" indent="0">
-              <a:buNone/>
-              <a:defRPr sz="1264" b="1"/>
+            <a:lvl9pPr marL="1535826" indent="0">
+              <a:buNone/>
+              <a:defRPr sz="672" b="1"/>
             </a:lvl9pPr>
           </a:lstStyle>
           <a:p>
@@ -1969,8 +1969,8 @@
         </p:nvSpPr>
         <p:spPr>
           <a:xfrm>
-            <a:off x="839789" y="1979126"/>
-            <a:ext cx="5157787" cy="2910995"/>
+            <a:off x="839789" y="1051899"/>
+            <a:ext cx="5157787" cy="1547186"/>
           </a:xfrm>
         </p:spPr>
         <p:txBody>
@@ -2058,8 +2058,8 @@
         </p:nvSpPr>
         <p:spPr>
           <a:xfrm>
-            <a:off x="6172200" y="1328197"/>
-            <a:ext cx="5183188" cy="650929"/>
+            <a:off x="6172200" y="705933"/>
+            <a:ext cx="5183188" cy="345967"/>
           </a:xfrm>
         </p:spPr>
         <p:txBody>
@@ -2067,39 +2067,39 @@
           <a:lstStyle>
             <a:lvl1pPr marL="0" indent="0">
               <a:buNone/>
-              <a:defRPr sz="1896" b="1"/>
+              <a:defRPr sz="1008" b="1"/>
             </a:lvl1pPr>
-            <a:lvl2pPr marL="361188" indent="0">
-              <a:buNone/>
-              <a:defRPr sz="1580" b="1"/>
+            <a:lvl2pPr marL="191978" indent="0">
+              <a:buNone/>
+              <a:defRPr sz="840" b="1"/>
             </a:lvl2pPr>
-            <a:lvl3pPr marL="722376" indent="0">
-              <a:buNone/>
-              <a:defRPr sz="1422" b="1"/>
+            <a:lvl3pPr marL="383957" indent="0">
+              <a:buNone/>
+              <a:defRPr sz="756" b="1"/>
             </a:lvl3pPr>
-            <a:lvl4pPr marL="1083564" indent="0">
-              <a:buNone/>
-              <a:defRPr sz="1264" b="1"/>
+            <a:lvl4pPr marL="575935" indent="0">
+              <a:buNone/>
+              <a:defRPr sz="672" b="1"/>
             </a:lvl4pPr>
-            <a:lvl5pPr marL="1444752" indent="0">
-              <a:buNone/>
-              <a:defRPr sz="1264" b="1"/>
+            <a:lvl5pPr marL="767913" indent="0">
+              <a:buNone/>
+              <a:defRPr sz="672" b="1"/>
             </a:lvl5pPr>
-            <a:lvl6pPr marL="1805940" indent="0">
-              <a:buNone/>
-              <a:defRPr sz="1264" b="1"/>
+            <a:lvl6pPr marL="959891" indent="0">
+              <a:buNone/>
+              <a:defRPr sz="672" b="1"/>
             </a:lvl6pPr>
-            <a:lvl7pPr marL="2167128" indent="0">
-              <a:buNone/>
-              <a:defRPr sz="1264" b="1"/>
+            <a:lvl7pPr marL="1151870" indent="0">
+              <a:buNone/>
+              <a:defRPr sz="672" b="1"/>
             </a:lvl7pPr>
-            <a:lvl8pPr marL="2528316" indent="0">
-              <a:buNone/>
-              <a:defRPr sz="1264" b="1"/>
+            <a:lvl8pPr marL="1343848" indent="0">
+              <a:buNone/>
+              <a:defRPr sz="672" b="1"/>
             </a:lvl8pPr>
-            <a:lvl9pPr marL="2889504" indent="0">
-              <a:buNone/>
-              <a:defRPr sz="1264" b="1"/>
+            <a:lvl9pPr marL="1535826" indent="0">
+              <a:buNone/>
+              <a:defRPr sz="672" b="1"/>
             </a:lvl9pPr>
           </a:lstStyle>
           <a:p>
@@ -2123,8 +2123,8 @@
         </p:nvSpPr>
         <p:spPr>
           <a:xfrm>
-            <a:off x="6172200" y="1979126"/>
-            <a:ext cx="5183188" cy="2910995"/>
+            <a:off x="6172200" y="1051899"/>
+            <a:ext cx="5183188" cy="1547186"/>
           </a:xfrm>
         </p:spPr>
         <p:txBody>
@@ -2217,7 +2217,7 @@
           <a:p>
             <a:fld id="{AA641DB4-C951-4763-94FC-F650C3AA7E65}" type="datetimeFigureOut">
               <a:rPr kumimoji="1" lang="ja-JP" altLang="en-US" smtClean="0"/>
-              <a:t>2017/2/3</a:t>
+              <a:t>2017/11/16</a:t>
             </a:fld>
             <a:endParaRPr kumimoji="1" lang="ja-JP" altLang="en-US"/>
           </a:p>
@@ -2268,7 +2268,7 @@
     </p:spTree>
     <p:extLst>
       <p:ext uri="{BB962C8B-B14F-4D97-AF65-F5344CB8AC3E}">
-        <p14:creationId xmlns:p14="http://schemas.microsoft.com/office/powerpoint/2010/main" val="1245951189"/>
+        <p14:creationId xmlns:p14="http://schemas.microsoft.com/office/powerpoint/2010/main" val="1516874855"/>
       </p:ext>
     </p:extLst>
   </p:cSld>
@@ -2335,7 +2335,7 @@
           <a:p>
             <a:fld id="{AA641DB4-C951-4763-94FC-F650C3AA7E65}" type="datetimeFigureOut">
               <a:rPr kumimoji="1" lang="ja-JP" altLang="en-US" smtClean="0"/>
-              <a:t>2017/2/3</a:t>
+              <a:t>2017/11/16</a:t>
             </a:fld>
             <a:endParaRPr kumimoji="1" lang="ja-JP" altLang="en-US"/>
           </a:p>
@@ -2386,7 +2386,7 @@
     </p:spTree>
     <p:extLst>
       <p:ext uri="{BB962C8B-B14F-4D97-AF65-F5344CB8AC3E}">
-        <p14:creationId xmlns:p14="http://schemas.microsoft.com/office/powerpoint/2010/main" val="1707441776"/>
+        <p14:creationId xmlns:p14="http://schemas.microsoft.com/office/powerpoint/2010/main" val="628034392"/>
       </p:ext>
     </p:extLst>
   </p:cSld>
@@ -2430,7 +2430,7 @@
           <a:p>
             <a:fld id="{AA641DB4-C951-4763-94FC-F650C3AA7E65}" type="datetimeFigureOut">
               <a:rPr kumimoji="1" lang="ja-JP" altLang="en-US" smtClean="0"/>
-              <a:t>2017/2/3</a:t>
+              <a:t>2017/11/16</a:t>
             </a:fld>
             <a:endParaRPr kumimoji="1" lang="ja-JP" altLang="en-US"/>
           </a:p>
@@ -2481,7 +2481,7 @@
     </p:spTree>
     <p:extLst>
       <p:ext uri="{BB962C8B-B14F-4D97-AF65-F5344CB8AC3E}">
-        <p14:creationId xmlns:p14="http://schemas.microsoft.com/office/powerpoint/2010/main" val="3567696648"/>
+        <p14:creationId xmlns:p14="http://schemas.microsoft.com/office/powerpoint/2010/main" val="958555352"/>
       </p:ext>
     </p:extLst>
   </p:cSld>
@@ -2520,15 +2520,15 @@
         </p:nvSpPr>
         <p:spPr>
           <a:xfrm>
-            <a:off x="839789" y="361209"/>
-            <a:ext cx="3932237" cy="1264232"/>
+            <a:off x="839789" y="191982"/>
+            <a:ext cx="3932237" cy="671936"/>
           </a:xfrm>
         </p:spPr>
         <p:txBody>
           <a:bodyPr anchor="b"/>
           <a:lstStyle>
             <a:lvl1pPr>
-              <a:defRPr sz="2528"/>
+              <a:defRPr sz="1344"/>
             </a:lvl1pPr>
           </a:lstStyle>
           <a:p>
@@ -2552,39 +2552,39 @@
         </p:nvSpPr>
         <p:spPr>
           <a:xfrm>
-            <a:off x="5183188" y="780112"/>
-            <a:ext cx="6172200" cy="3850390"/>
+            <a:off x="5183188" y="414627"/>
+            <a:ext cx="6172200" cy="2046471"/>
           </a:xfrm>
         </p:spPr>
         <p:txBody>
           <a:bodyPr/>
           <a:lstStyle>
             <a:lvl1pPr>
-              <a:defRPr sz="2528"/>
+              <a:defRPr sz="1344"/>
             </a:lvl1pPr>
             <a:lvl2pPr>
-              <a:defRPr sz="2212"/>
+              <a:defRPr sz="1176"/>
             </a:lvl2pPr>
             <a:lvl3pPr>
-              <a:defRPr sz="1896"/>
+              <a:defRPr sz="1008"/>
             </a:lvl3pPr>
             <a:lvl4pPr>
-              <a:defRPr sz="1580"/>
+              <a:defRPr sz="840"/>
             </a:lvl4pPr>
             <a:lvl5pPr>
-              <a:defRPr sz="1580"/>
+              <a:defRPr sz="840"/>
             </a:lvl5pPr>
             <a:lvl6pPr>
-              <a:defRPr sz="1580"/>
+              <a:defRPr sz="840"/>
             </a:lvl6pPr>
             <a:lvl7pPr>
-              <a:defRPr sz="1580"/>
+              <a:defRPr sz="840"/>
             </a:lvl7pPr>
             <a:lvl8pPr>
-              <a:defRPr sz="1580"/>
+              <a:defRPr sz="840"/>
             </a:lvl8pPr>
             <a:lvl9pPr>
-              <a:defRPr sz="1580"/>
+              <a:defRPr sz="840"/>
             </a:lvl9pPr>
           </a:lstStyle>
           <a:p>
@@ -2669,8 +2669,8 @@
         </p:nvSpPr>
         <p:spPr>
           <a:xfrm>
-            <a:off x="839789" y="1625442"/>
-            <a:ext cx="3932237" cy="3011331"/>
+            <a:off x="839789" y="863918"/>
+            <a:ext cx="3932237" cy="1600514"/>
           </a:xfrm>
         </p:spPr>
         <p:txBody>
@@ -2678,39 +2678,39 @@
           <a:lstStyle>
             <a:lvl1pPr marL="0" indent="0">
               <a:buNone/>
-              <a:defRPr sz="1264"/>
+              <a:defRPr sz="672"/>
             </a:lvl1pPr>
-            <a:lvl2pPr marL="361188" indent="0">
-              <a:buNone/>
-              <a:defRPr sz="1106"/>
+            <a:lvl2pPr marL="191978" indent="0">
+              <a:buNone/>
+              <a:defRPr sz="588"/>
             </a:lvl2pPr>
-            <a:lvl3pPr marL="722376" indent="0">
-              <a:buNone/>
-              <a:defRPr sz="948"/>
+            <a:lvl3pPr marL="383957" indent="0">
+              <a:buNone/>
+              <a:defRPr sz="504"/>
             </a:lvl3pPr>
-            <a:lvl4pPr marL="1083564" indent="0">
-              <a:buNone/>
-              <a:defRPr sz="790"/>
+            <a:lvl4pPr marL="575935" indent="0">
+              <a:buNone/>
+              <a:defRPr sz="420"/>
             </a:lvl4pPr>
-            <a:lvl5pPr marL="1444752" indent="0">
-              <a:buNone/>
-              <a:defRPr sz="790"/>
+            <a:lvl5pPr marL="767913" indent="0">
+              <a:buNone/>
+              <a:defRPr sz="420"/>
             </a:lvl5pPr>
-            <a:lvl6pPr marL="1805940" indent="0">
-              <a:buNone/>
-              <a:defRPr sz="790"/>
+            <a:lvl6pPr marL="959891" indent="0">
+              <a:buNone/>
+              <a:defRPr sz="420"/>
             </a:lvl6pPr>
-            <a:lvl7pPr marL="2167128" indent="0">
-              <a:buNone/>
-              <a:defRPr sz="790"/>
+            <a:lvl7pPr marL="1151870" indent="0">
+              <a:buNone/>
+              <a:defRPr sz="420"/>
             </a:lvl7pPr>
-            <a:lvl8pPr marL="2528316" indent="0">
-              <a:buNone/>
-              <a:defRPr sz="790"/>
+            <a:lvl8pPr marL="1343848" indent="0">
+              <a:buNone/>
+              <a:defRPr sz="420"/>
             </a:lvl8pPr>
-            <a:lvl9pPr marL="2889504" indent="0">
-              <a:buNone/>
-              <a:defRPr sz="790"/>
+            <a:lvl9pPr marL="1535826" indent="0">
+              <a:buNone/>
+              <a:defRPr sz="420"/>
             </a:lvl9pPr>
           </a:lstStyle>
           <a:p>
@@ -2739,7 +2739,7 @@
           <a:p>
             <a:fld id="{AA641DB4-C951-4763-94FC-F650C3AA7E65}" type="datetimeFigureOut">
               <a:rPr kumimoji="1" lang="ja-JP" altLang="en-US" smtClean="0"/>
-              <a:t>2017/2/3</a:t>
+              <a:t>2017/11/16</a:t>
             </a:fld>
             <a:endParaRPr kumimoji="1" lang="ja-JP" altLang="en-US"/>
           </a:p>
@@ -2790,7 +2790,7 @@
     </p:spTree>
     <p:extLst>
       <p:ext uri="{BB962C8B-B14F-4D97-AF65-F5344CB8AC3E}">
-        <p14:creationId xmlns:p14="http://schemas.microsoft.com/office/powerpoint/2010/main" val="2443417747"/>
+        <p14:creationId xmlns:p14="http://schemas.microsoft.com/office/powerpoint/2010/main" val="3513644757"/>
       </p:ext>
     </p:extLst>
   </p:cSld>
@@ -2829,15 +2829,15 @@
         </p:nvSpPr>
         <p:spPr>
           <a:xfrm>
-            <a:off x="839789" y="361209"/>
-            <a:ext cx="3932237" cy="1264232"/>
+            <a:off x="839789" y="191982"/>
+            <a:ext cx="3932237" cy="671936"/>
           </a:xfrm>
         </p:spPr>
         <p:txBody>
           <a:bodyPr anchor="b"/>
           <a:lstStyle>
             <a:lvl1pPr>
-              <a:defRPr sz="2528"/>
+              <a:defRPr sz="1344"/>
             </a:lvl1pPr>
           </a:lstStyle>
           <a:p>
@@ -2861,8 +2861,8 @@
         </p:nvSpPr>
         <p:spPr>
           <a:xfrm>
-            <a:off x="5183188" y="780112"/>
-            <a:ext cx="6172200" cy="3850390"/>
+            <a:off x="5183188" y="414627"/>
+            <a:ext cx="6172200" cy="2046471"/>
           </a:xfrm>
         </p:spPr>
         <p:txBody>
@@ -2870,39 +2870,39 @@
           <a:lstStyle>
             <a:lvl1pPr marL="0" indent="0">
               <a:buNone/>
-              <a:defRPr sz="2528"/>
+              <a:defRPr sz="1344"/>
             </a:lvl1pPr>
-            <a:lvl2pPr marL="361188" indent="0">
-              <a:buNone/>
-              <a:defRPr sz="2212"/>
+            <a:lvl2pPr marL="191978" indent="0">
+              <a:buNone/>
+              <a:defRPr sz="1176"/>
             </a:lvl2pPr>
-            <a:lvl3pPr marL="722376" indent="0">
-              <a:buNone/>
-              <a:defRPr sz="1896"/>
+            <a:lvl3pPr marL="383957" indent="0">
+              <a:buNone/>
+              <a:defRPr sz="1008"/>
             </a:lvl3pPr>
-            <a:lvl4pPr marL="1083564" indent="0">
-              <a:buNone/>
-              <a:defRPr sz="1580"/>
+            <a:lvl4pPr marL="575935" indent="0">
+              <a:buNone/>
+              <a:defRPr sz="840"/>
             </a:lvl4pPr>
-            <a:lvl5pPr marL="1444752" indent="0">
-              <a:buNone/>
-              <a:defRPr sz="1580"/>
+            <a:lvl5pPr marL="767913" indent="0">
+              <a:buNone/>
+              <a:defRPr sz="840"/>
             </a:lvl5pPr>
-            <a:lvl6pPr marL="1805940" indent="0">
-              <a:buNone/>
-              <a:defRPr sz="1580"/>
+            <a:lvl6pPr marL="959891" indent="0">
+              <a:buNone/>
+              <a:defRPr sz="840"/>
             </a:lvl6pPr>
-            <a:lvl7pPr marL="2167128" indent="0">
-              <a:buNone/>
-              <a:defRPr sz="1580"/>
+            <a:lvl7pPr marL="1151870" indent="0">
+              <a:buNone/>
+              <a:defRPr sz="840"/>
             </a:lvl7pPr>
-            <a:lvl8pPr marL="2528316" indent="0">
-              <a:buNone/>
-              <a:defRPr sz="1580"/>
+            <a:lvl8pPr marL="1343848" indent="0">
+              <a:buNone/>
+              <a:defRPr sz="840"/>
             </a:lvl8pPr>
-            <a:lvl9pPr marL="2889504" indent="0">
-              <a:buNone/>
-              <a:defRPr sz="1580"/>
+            <a:lvl9pPr marL="1535826" indent="0">
+              <a:buNone/>
+              <a:defRPr sz="840"/>
             </a:lvl9pPr>
           </a:lstStyle>
           <a:p>
@@ -2926,8 +2926,8 @@
         </p:nvSpPr>
         <p:spPr>
           <a:xfrm>
-            <a:off x="839789" y="1625442"/>
-            <a:ext cx="3932237" cy="3011331"/>
+            <a:off x="839789" y="863918"/>
+            <a:ext cx="3932237" cy="1600514"/>
           </a:xfrm>
         </p:spPr>
         <p:txBody>
@@ -2935,39 +2935,39 @@
           <a:lstStyle>
             <a:lvl1pPr marL="0" indent="0">
               <a:buNone/>
-              <a:defRPr sz="1264"/>
+              <a:defRPr sz="672"/>
             </a:lvl1pPr>
-            <a:lvl2pPr marL="361188" indent="0">
-              <a:buNone/>
-              <a:defRPr sz="1106"/>
+            <a:lvl2pPr marL="191978" indent="0">
+              <a:buNone/>
+              <a:defRPr sz="588"/>
             </a:lvl2pPr>
-            <a:lvl3pPr marL="722376" indent="0">
-              <a:buNone/>
-              <a:defRPr sz="948"/>
+            <a:lvl3pPr marL="383957" indent="0">
+              <a:buNone/>
+              <a:defRPr sz="504"/>
             </a:lvl3pPr>
-            <a:lvl4pPr marL="1083564" indent="0">
-              <a:buNone/>
-              <a:defRPr sz="790"/>
+            <a:lvl4pPr marL="575935" indent="0">
+              <a:buNone/>
+              <a:defRPr sz="420"/>
             </a:lvl4pPr>
-            <a:lvl5pPr marL="1444752" indent="0">
-              <a:buNone/>
-              <a:defRPr sz="790"/>
+            <a:lvl5pPr marL="767913" indent="0">
+              <a:buNone/>
+              <a:defRPr sz="420"/>
             </a:lvl5pPr>
-            <a:lvl6pPr marL="1805940" indent="0">
-              <a:buNone/>
-              <a:defRPr sz="790"/>
+            <a:lvl6pPr marL="959891" indent="0">
+              <a:buNone/>
+              <a:defRPr sz="420"/>
             </a:lvl6pPr>
-            <a:lvl7pPr marL="2167128" indent="0">
-              <a:buNone/>
-              <a:defRPr sz="790"/>
+            <a:lvl7pPr marL="1151870" indent="0">
+              <a:buNone/>
+              <a:defRPr sz="420"/>
             </a:lvl7pPr>
-            <a:lvl8pPr marL="2528316" indent="0">
-              <a:buNone/>
-              <a:defRPr sz="790"/>
+            <a:lvl8pPr marL="1343848" indent="0">
+              <a:buNone/>
+              <a:defRPr sz="420"/>
             </a:lvl8pPr>
-            <a:lvl9pPr marL="2889504" indent="0">
-              <a:buNone/>
-              <a:defRPr sz="790"/>
+            <a:lvl9pPr marL="1535826" indent="0">
+              <a:buNone/>
+              <a:defRPr sz="420"/>
             </a:lvl9pPr>
           </a:lstStyle>
           <a:p>
@@ -2996,7 +2996,7 @@
           <a:p>
             <a:fld id="{AA641DB4-C951-4763-94FC-F650C3AA7E65}" type="datetimeFigureOut">
               <a:rPr kumimoji="1" lang="ja-JP" altLang="en-US" smtClean="0"/>
-              <a:t>2017/2/3</a:t>
+              <a:t>2017/11/16</a:t>
             </a:fld>
             <a:endParaRPr kumimoji="1" lang="ja-JP" altLang="en-US"/>
           </a:p>
@@ -3047,7 +3047,7 @@
     </p:spTree>
     <p:extLst>
       <p:ext uri="{BB962C8B-B14F-4D97-AF65-F5344CB8AC3E}">
-        <p14:creationId xmlns:p14="http://schemas.microsoft.com/office/powerpoint/2010/main" val="3848165357"/>
+        <p14:creationId xmlns:p14="http://schemas.microsoft.com/office/powerpoint/2010/main" val="3614935917"/>
       </p:ext>
     </p:extLst>
   </p:cSld>
@@ -3091,8 +3091,8 @@
         </p:nvSpPr>
         <p:spPr>
           <a:xfrm>
-            <a:off x="838200" y="288466"/>
-            <a:ext cx="10515600" cy="1047256"/>
+            <a:off x="838200" y="153319"/>
+            <a:ext cx="10515600" cy="556614"/>
           </a:xfrm>
           <a:prstGeom prst="rect">
             <a:avLst/>
@@ -3124,8 +3124,8 @@
         </p:nvSpPr>
         <p:spPr>
           <a:xfrm>
-            <a:off x="838200" y="1442328"/>
-            <a:ext cx="10515600" cy="3437759"/>
+            <a:off x="838200" y="766593"/>
+            <a:ext cx="10515600" cy="1827159"/>
           </a:xfrm>
           <a:prstGeom prst="rect">
             <a:avLst/>
@@ -3218,8 +3218,8 @@
         </p:nvSpPr>
         <p:spPr>
           <a:xfrm>
-            <a:off x="838200" y="5021811"/>
-            <a:ext cx="2743200" cy="288466"/>
+            <a:off x="838200" y="2669079"/>
+            <a:ext cx="2743200" cy="153319"/>
           </a:xfrm>
           <a:prstGeom prst="rect">
             <a:avLst/>
@@ -3229,7 +3229,7 @@
           <a:bodyPr vert="horz" lIns="91440" tIns="45720" rIns="91440" bIns="45720" rtlCol="0" anchor="ctr"/>
           <a:lstStyle>
             <a:lvl1pPr algn="l">
-              <a:defRPr sz="948">
+              <a:defRPr sz="504">
                 <a:solidFill>
                   <a:schemeClr val="tx1">
                     <a:tint val="75000"/>
@@ -3241,7 +3241,7 @@
           <a:p>
             <a:fld id="{AA641DB4-C951-4763-94FC-F650C3AA7E65}" type="datetimeFigureOut">
               <a:rPr kumimoji="1" lang="ja-JP" altLang="en-US" smtClean="0"/>
-              <a:t>2017/2/3</a:t>
+              <a:t>2017/11/16</a:t>
             </a:fld>
             <a:endParaRPr kumimoji="1" lang="ja-JP" altLang="en-US"/>
           </a:p>
@@ -3259,8 +3259,8 @@
         </p:nvSpPr>
         <p:spPr>
           <a:xfrm>
-            <a:off x="4038600" y="5021811"/>
-            <a:ext cx="4114800" cy="288466"/>
+            <a:off x="4038600" y="2669079"/>
+            <a:ext cx="4114800" cy="153319"/>
           </a:xfrm>
           <a:prstGeom prst="rect">
             <a:avLst/>
@@ -3270,7 +3270,7 @@
           <a:bodyPr vert="horz" lIns="91440" tIns="45720" rIns="91440" bIns="45720" rtlCol="0" anchor="ctr"/>
           <a:lstStyle>
             <a:lvl1pPr algn="ctr">
-              <a:defRPr sz="948">
+              <a:defRPr sz="504">
                 <a:solidFill>
                   <a:schemeClr val="tx1">
                     <a:tint val="75000"/>
@@ -3296,8 +3296,8 @@
         </p:nvSpPr>
         <p:spPr>
           <a:xfrm>
-            <a:off x="8610600" y="5021811"/>
-            <a:ext cx="2743200" cy="288466"/>
+            <a:off x="8610600" y="2669079"/>
+            <a:ext cx="2743200" cy="153319"/>
           </a:xfrm>
           <a:prstGeom prst="rect">
             <a:avLst/>
@@ -3307,7 +3307,7 @@
           <a:bodyPr vert="horz" lIns="91440" tIns="45720" rIns="91440" bIns="45720" rtlCol="0" anchor="ctr"/>
           <a:lstStyle>
             <a:lvl1pPr algn="r">
-              <a:defRPr sz="948">
+              <a:defRPr sz="504">
                 <a:solidFill>
                   <a:schemeClr val="tx1">
                     <a:tint val="75000"/>
@@ -3328,27 +3328,27 @@
     </p:spTree>
     <p:extLst>
       <p:ext uri="{BB962C8B-B14F-4D97-AF65-F5344CB8AC3E}">
-        <p14:creationId xmlns:p14="http://schemas.microsoft.com/office/powerpoint/2010/main" val="3362310116"/>
+        <p14:creationId xmlns:p14="http://schemas.microsoft.com/office/powerpoint/2010/main" val="993013892"/>
       </p:ext>
     </p:extLst>
   </p:cSld>
   <p:clrMap bg1="lt1" tx1="dk1" bg2="lt2" tx2="dk2" accent1="accent1" accent2="accent2" accent3="accent3" accent4="accent4" accent5="accent5" accent6="accent6" hlink="hlink" folHlink="folHlink"/>
   <p:sldLayoutIdLst>
-    <p:sldLayoutId id="2147483661" r:id="rId1"/>
-    <p:sldLayoutId id="2147483662" r:id="rId2"/>
-    <p:sldLayoutId id="2147483663" r:id="rId3"/>
-    <p:sldLayoutId id="2147483664" r:id="rId4"/>
-    <p:sldLayoutId id="2147483665" r:id="rId5"/>
-    <p:sldLayoutId id="2147483666" r:id="rId6"/>
-    <p:sldLayoutId id="2147483667" r:id="rId7"/>
-    <p:sldLayoutId id="2147483668" r:id="rId8"/>
-    <p:sldLayoutId id="2147483669" r:id="rId9"/>
-    <p:sldLayoutId id="2147483670" r:id="rId10"/>
-    <p:sldLayoutId id="2147483671" r:id="rId11"/>
+    <p:sldLayoutId id="2147483697" r:id="rId1"/>
+    <p:sldLayoutId id="2147483698" r:id="rId2"/>
+    <p:sldLayoutId id="2147483699" r:id="rId3"/>
+    <p:sldLayoutId id="2147483700" r:id="rId4"/>
+    <p:sldLayoutId id="2147483701" r:id="rId5"/>
+    <p:sldLayoutId id="2147483702" r:id="rId6"/>
+    <p:sldLayoutId id="2147483703" r:id="rId7"/>
+    <p:sldLayoutId id="2147483704" r:id="rId8"/>
+    <p:sldLayoutId id="2147483705" r:id="rId9"/>
+    <p:sldLayoutId id="2147483706" r:id="rId10"/>
+    <p:sldLayoutId id="2147483707" r:id="rId11"/>
   </p:sldLayoutIdLst>
   <p:txStyles>
     <p:titleStyle>
-      <a:lvl1pPr algn="l" defTabSz="722376" rtl="0" eaLnBrk="1" latinLnBrk="0" hangingPunct="1">
+      <a:lvl1pPr algn="l" defTabSz="383957" rtl="0" eaLnBrk="1" latinLnBrk="0" hangingPunct="1">
         <a:lnSpc>
           <a:spcPct val="90000"/>
         </a:lnSpc>
@@ -3356,7 +3356,7 @@
           <a:spcPct val="0"/>
         </a:spcBef>
         <a:buNone/>
-        <a:defRPr kumimoji="1" sz="3476" kern="1200">
+        <a:defRPr kumimoji="1" sz="1848" kern="1200">
           <a:solidFill>
             <a:schemeClr val="tx1"/>
           </a:solidFill>
@@ -3367,16 +3367,16 @@
       </a:lvl1pPr>
     </p:titleStyle>
     <p:bodyStyle>
-      <a:lvl1pPr marL="180594" indent="-180594" algn="l" defTabSz="722376" rtl="0" eaLnBrk="1" latinLnBrk="0" hangingPunct="1">
+      <a:lvl1pPr marL="95989" indent="-95989" algn="l" defTabSz="383957" rtl="0" eaLnBrk="1" latinLnBrk="0" hangingPunct="1">
         <a:lnSpc>
           <a:spcPct val="90000"/>
         </a:lnSpc>
         <a:spcBef>
-          <a:spcPts val="790"/>
+          <a:spcPts val="420"/>
         </a:spcBef>
         <a:buFont typeface="Arial" panose="020B0604020202020204" pitchFamily="34" charset="0"/>
         <a:buChar char="•"/>
-        <a:defRPr kumimoji="1" sz="2212" kern="1200">
+        <a:defRPr kumimoji="1" sz="1176" kern="1200">
           <a:solidFill>
             <a:schemeClr val="tx1"/>
           </a:solidFill>
@@ -3385,16 +3385,16 @@
           <a:cs typeface="+mn-cs"/>
         </a:defRPr>
       </a:lvl1pPr>
-      <a:lvl2pPr marL="541782" indent="-180594" algn="l" defTabSz="722376" rtl="0" eaLnBrk="1" latinLnBrk="0" hangingPunct="1">
+      <a:lvl2pPr marL="287967" indent="-95989" algn="l" defTabSz="383957" rtl="0" eaLnBrk="1" latinLnBrk="0" hangingPunct="1">
         <a:lnSpc>
           <a:spcPct val="90000"/>
         </a:lnSpc>
         <a:spcBef>
-          <a:spcPts val="395"/>
+          <a:spcPts val="210"/>
         </a:spcBef>
         <a:buFont typeface="Arial" panose="020B0604020202020204" pitchFamily="34" charset="0"/>
         <a:buChar char="•"/>
-        <a:defRPr kumimoji="1" sz="1896" kern="1200">
+        <a:defRPr kumimoji="1" sz="1008" kern="1200">
           <a:solidFill>
             <a:schemeClr val="tx1"/>
           </a:solidFill>
@@ -3403,16 +3403,16 @@
           <a:cs typeface="+mn-cs"/>
         </a:defRPr>
       </a:lvl2pPr>
-      <a:lvl3pPr marL="902970" indent="-180594" algn="l" defTabSz="722376" rtl="0" eaLnBrk="1" latinLnBrk="0" hangingPunct="1">
+      <a:lvl3pPr marL="479946" indent="-95989" algn="l" defTabSz="383957" rtl="0" eaLnBrk="1" latinLnBrk="0" hangingPunct="1">
         <a:lnSpc>
           <a:spcPct val="90000"/>
         </a:lnSpc>
         <a:spcBef>
-          <a:spcPts val="395"/>
+          <a:spcPts val="210"/>
         </a:spcBef>
         <a:buFont typeface="Arial" panose="020B0604020202020204" pitchFamily="34" charset="0"/>
         <a:buChar char="•"/>
-        <a:defRPr kumimoji="1" sz="1580" kern="1200">
+        <a:defRPr kumimoji="1" sz="840" kern="1200">
           <a:solidFill>
             <a:schemeClr val="tx1"/>
           </a:solidFill>
@@ -3421,16 +3421,16 @@
           <a:cs typeface="+mn-cs"/>
         </a:defRPr>
       </a:lvl3pPr>
-      <a:lvl4pPr marL="1264158" indent="-180594" algn="l" defTabSz="722376" rtl="0" eaLnBrk="1" latinLnBrk="0" hangingPunct="1">
+      <a:lvl4pPr marL="671924" indent="-95989" algn="l" defTabSz="383957" rtl="0" eaLnBrk="1" latinLnBrk="0" hangingPunct="1">
         <a:lnSpc>
           <a:spcPct val="90000"/>
         </a:lnSpc>
         <a:spcBef>
-          <a:spcPts val="395"/>
+          <a:spcPts val="210"/>
         </a:spcBef>
         <a:buFont typeface="Arial" panose="020B0604020202020204" pitchFamily="34" charset="0"/>
         <a:buChar char="•"/>
-        <a:defRPr kumimoji="1" sz="1422" kern="1200">
+        <a:defRPr kumimoji="1" sz="756" kern="1200">
           <a:solidFill>
             <a:schemeClr val="tx1"/>
           </a:solidFill>
@@ -3439,16 +3439,16 @@
           <a:cs typeface="+mn-cs"/>
         </a:defRPr>
       </a:lvl4pPr>
-      <a:lvl5pPr marL="1625346" indent="-180594" algn="l" defTabSz="722376" rtl="0" eaLnBrk="1" latinLnBrk="0" hangingPunct="1">
+      <a:lvl5pPr marL="863902" indent="-95989" algn="l" defTabSz="383957" rtl="0" eaLnBrk="1" latinLnBrk="0" hangingPunct="1">
         <a:lnSpc>
           <a:spcPct val="90000"/>
         </a:lnSpc>
         <a:spcBef>
-          <a:spcPts val="395"/>
+          <a:spcPts val="210"/>
         </a:spcBef>
         <a:buFont typeface="Arial" panose="020B0604020202020204" pitchFamily="34" charset="0"/>
         <a:buChar char="•"/>
-        <a:defRPr kumimoji="1" sz="1422" kern="1200">
+        <a:defRPr kumimoji="1" sz="756" kern="1200">
           <a:solidFill>
             <a:schemeClr val="tx1"/>
           </a:solidFill>
@@ -3457,16 +3457,16 @@
           <a:cs typeface="+mn-cs"/>
         </a:defRPr>
       </a:lvl5pPr>
-      <a:lvl6pPr marL="1986534" indent="-180594" algn="l" defTabSz="722376" rtl="0" eaLnBrk="1" latinLnBrk="0" hangingPunct="1">
+      <a:lvl6pPr marL="1055881" indent="-95989" algn="l" defTabSz="383957" rtl="0" eaLnBrk="1" latinLnBrk="0" hangingPunct="1">
         <a:lnSpc>
           <a:spcPct val="90000"/>
         </a:lnSpc>
         <a:spcBef>
-          <a:spcPts val="395"/>
+          <a:spcPts val="210"/>
         </a:spcBef>
         <a:buFont typeface="Arial" panose="020B0604020202020204" pitchFamily="34" charset="0"/>
         <a:buChar char="•"/>
-        <a:defRPr kumimoji="1" sz="1422" kern="1200">
+        <a:defRPr kumimoji="1" sz="756" kern="1200">
           <a:solidFill>
             <a:schemeClr val="tx1"/>
           </a:solidFill>
@@ -3475,16 +3475,16 @@
           <a:cs typeface="+mn-cs"/>
         </a:defRPr>
       </a:lvl6pPr>
-      <a:lvl7pPr marL="2347722" indent="-180594" algn="l" defTabSz="722376" rtl="0" eaLnBrk="1" latinLnBrk="0" hangingPunct="1">
+      <a:lvl7pPr marL="1247859" indent="-95989" algn="l" defTabSz="383957" rtl="0" eaLnBrk="1" latinLnBrk="0" hangingPunct="1">
         <a:lnSpc>
           <a:spcPct val="90000"/>
         </a:lnSpc>
         <a:spcBef>
-          <a:spcPts val="395"/>
+          <a:spcPts val="210"/>
         </a:spcBef>
         <a:buFont typeface="Arial" panose="020B0604020202020204" pitchFamily="34" charset="0"/>
         <a:buChar char="•"/>
-        <a:defRPr kumimoji="1" sz="1422" kern="1200">
+        <a:defRPr kumimoji="1" sz="756" kern="1200">
           <a:solidFill>
             <a:schemeClr val="tx1"/>
           </a:solidFill>
@@ -3493,16 +3493,16 @@
           <a:cs typeface="+mn-cs"/>
         </a:defRPr>
       </a:lvl7pPr>
-      <a:lvl8pPr marL="2708910" indent="-180594" algn="l" defTabSz="722376" rtl="0" eaLnBrk="1" latinLnBrk="0" hangingPunct="1">
+      <a:lvl8pPr marL="1439837" indent="-95989" algn="l" defTabSz="383957" rtl="0" eaLnBrk="1" latinLnBrk="0" hangingPunct="1">
         <a:lnSpc>
           <a:spcPct val="90000"/>
         </a:lnSpc>
         <a:spcBef>
-          <a:spcPts val="395"/>
+          <a:spcPts val="210"/>
         </a:spcBef>
         <a:buFont typeface="Arial" panose="020B0604020202020204" pitchFamily="34" charset="0"/>
         <a:buChar char="•"/>
-        <a:defRPr kumimoji="1" sz="1422" kern="1200">
+        <a:defRPr kumimoji="1" sz="756" kern="1200">
           <a:solidFill>
             <a:schemeClr val="tx1"/>
           </a:solidFill>
@@ -3511,16 +3511,16 @@
           <a:cs typeface="+mn-cs"/>
         </a:defRPr>
       </a:lvl8pPr>
-      <a:lvl9pPr marL="3070098" indent="-180594" algn="l" defTabSz="722376" rtl="0" eaLnBrk="1" latinLnBrk="0" hangingPunct="1">
+      <a:lvl9pPr marL="1631815" indent="-95989" algn="l" defTabSz="383957" rtl="0" eaLnBrk="1" latinLnBrk="0" hangingPunct="1">
         <a:lnSpc>
           <a:spcPct val="90000"/>
         </a:lnSpc>
         <a:spcBef>
-          <a:spcPts val="395"/>
+          <a:spcPts val="210"/>
         </a:spcBef>
         <a:buFont typeface="Arial" panose="020B0604020202020204" pitchFamily="34" charset="0"/>
         <a:buChar char="•"/>
-        <a:defRPr kumimoji="1" sz="1422" kern="1200">
+        <a:defRPr kumimoji="1" sz="756" kern="1200">
           <a:solidFill>
             <a:schemeClr val="tx1"/>
           </a:solidFill>
@@ -3534,8 +3534,8 @@
       <a:defPPr>
         <a:defRPr lang="en-US"/>
       </a:defPPr>
-      <a:lvl1pPr marL="0" algn="l" defTabSz="722376" rtl="0" eaLnBrk="1" latinLnBrk="0" hangingPunct="1">
-        <a:defRPr kumimoji="1" sz="1422" kern="1200">
+      <a:lvl1pPr marL="0" algn="l" defTabSz="383957" rtl="0" eaLnBrk="1" latinLnBrk="0" hangingPunct="1">
+        <a:defRPr kumimoji="1" sz="756" kern="1200">
           <a:solidFill>
             <a:schemeClr val="tx1"/>
           </a:solidFill>
@@ -3544,8 +3544,8 @@
           <a:cs typeface="+mn-cs"/>
         </a:defRPr>
       </a:lvl1pPr>
-      <a:lvl2pPr marL="361188" algn="l" defTabSz="722376" rtl="0" eaLnBrk="1" latinLnBrk="0" hangingPunct="1">
-        <a:defRPr kumimoji="1" sz="1422" kern="1200">
+      <a:lvl2pPr marL="191978" algn="l" defTabSz="383957" rtl="0" eaLnBrk="1" latinLnBrk="0" hangingPunct="1">
+        <a:defRPr kumimoji="1" sz="756" kern="1200">
           <a:solidFill>
             <a:schemeClr val="tx1"/>
           </a:solidFill>
@@ -3554,8 +3554,8 @@
           <a:cs typeface="+mn-cs"/>
         </a:defRPr>
       </a:lvl2pPr>
-      <a:lvl3pPr marL="722376" algn="l" defTabSz="722376" rtl="0" eaLnBrk="1" latinLnBrk="0" hangingPunct="1">
-        <a:defRPr kumimoji="1" sz="1422" kern="1200">
+      <a:lvl3pPr marL="383957" algn="l" defTabSz="383957" rtl="0" eaLnBrk="1" latinLnBrk="0" hangingPunct="1">
+        <a:defRPr kumimoji="1" sz="756" kern="1200">
           <a:solidFill>
             <a:schemeClr val="tx1"/>
           </a:solidFill>
@@ -3564,8 +3564,8 @@
           <a:cs typeface="+mn-cs"/>
         </a:defRPr>
       </a:lvl3pPr>
-      <a:lvl4pPr marL="1083564" algn="l" defTabSz="722376" rtl="0" eaLnBrk="1" latinLnBrk="0" hangingPunct="1">
-        <a:defRPr kumimoji="1" sz="1422" kern="1200">
+      <a:lvl4pPr marL="575935" algn="l" defTabSz="383957" rtl="0" eaLnBrk="1" latinLnBrk="0" hangingPunct="1">
+        <a:defRPr kumimoji="1" sz="756" kern="1200">
           <a:solidFill>
             <a:schemeClr val="tx1"/>
           </a:solidFill>
@@ -3574,8 +3574,8 @@
           <a:cs typeface="+mn-cs"/>
         </a:defRPr>
       </a:lvl4pPr>
-      <a:lvl5pPr marL="1444752" algn="l" defTabSz="722376" rtl="0" eaLnBrk="1" latinLnBrk="0" hangingPunct="1">
-        <a:defRPr kumimoji="1" sz="1422" kern="1200">
+      <a:lvl5pPr marL="767913" algn="l" defTabSz="383957" rtl="0" eaLnBrk="1" latinLnBrk="0" hangingPunct="1">
+        <a:defRPr kumimoji="1" sz="756" kern="1200">
           <a:solidFill>
             <a:schemeClr val="tx1"/>
           </a:solidFill>
@@ -3584,8 +3584,8 @@
           <a:cs typeface="+mn-cs"/>
         </a:defRPr>
       </a:lvl5pPr>
-      <a:lvl6pPr marL="1805940" algn="l" defTabSz="722376" rtl="0" eaLnBrk="1" latinLnBrk="0" hangingPunct="1">
-        <a:defRPr kumimoji="1" sz="1422" kern="1200">
+      <a:lvl6pPr marL="959891" algn="l" defTabSz="383957" rtl="0" eaLnBrk="1" latinLnBrk="0" hangingPunct="1">
+        <a:defRPr kumimoji="1" sz="756" kern="1200">
           <a:solidFill>
             <a:schemeClr val="tx1"/>
           </a:solidFill>
@@ -3594,8 +3594,8 @@
           <a:cs typeface="+mn-cs"/>
         </a:defRPr>
       </a:lvl6pPr>
-      <a:lvl7pPr marL="2167128" algn="l" defTabSz="722376" rtl="0" eaLnBrk="1" latinLnBrk="0" hangingPunct="1">
-        <a:defRPr kumimoji="1" sz="1422" kern="1200">
+      <a:lvl7pPr marL="1151870" algn="l" defTabSz="383957" rtl="0" eaLnBrk="1" latinLnBrk="0" hangingPunct="1">
+        <a:defRPr kumimoji="1" sz="756" kern="1200">
           <a:solidFill>
             <a:schemeClr val="tx1"/>
           </a:solidFill>
@@ -3604,8 +3604,8 @@
           <a:cs typeface="+mn-cs"/>
         </a:defRPr>
       </a:lvl7pPr>
-      <a:lvl8pPr marL="2528316" algn="l" defTabSz="722376" rtl="0" eaLnBrk="1" latinLnBrk="0" hangingPunct="1">
-        <a:defRPr kumimoji="1" sz="1422" kern="1200">
+      <a:lvl8pPr marL="1343848" algn="l" defTabSz="383957" rtl="0" eaLnBrk="1" latinLnBrk="0" hangingPunct="1">
+        <a:defRPr kumimoji="1" sz="756" kern="1200">
           <a:solidFill>
             <a:schemeClr val="tx1"/>
           </a:solidFill>
@@ -3614,8 +3614,8 @@
           <a:cs typeface="+mn-cs"/>
         </a:defRPr>
       </a:lvl8pPr>
-      <a:lvl9pPr marL="2889504" algn="l" defTabSz="722376" rtl="0" eaLnBrk="1" latinLnBrk="0" hangingPunct="1">
-        <a:defRPr kumimoji="1" sz="1422" kern="1200">
+      <a:lvl9pPr marL="1535826" algn="l" defTabSz="383957" rtl="0" eaLnBrk="1" latinLnBrk="0" hangingPunct="1">
+        <a:defRPr kumimoji="1" sz="756" kern="1200">
           <a:solidFill>
             <a:schemeClr val="tx1"/>
           </a:solidFill>
@@ -3654,8 +3654,8 @@
         </p:nvGrpSpPr>
         <p:grpSpPr>
           <a:xfrm>
-            <a:off x="107031" y="899321"/>
-            <a:ext cx="5195215" cy="3619501"/>
+            <a:off x="107034" y="123986"/>
+            <a:ext cx="5195215" cy="2681207"/>
             <a:chOff x="6850731" y="169298"/>
             <a:chExt cx="5195214" cy="2316594"/>
           </a:xfrm>
@@ -3771,14 +3771,6 @@
                   </a:rPr>
                   <a:t>REP_000</a:t>
                 </a:r>
-                <a:endParaRPr lang="en-US" altLang="ja-JP" sz="2400" dirty="0">
-                  <a:solidFill>
-                    <a:schemeClr val="tx1"/>
-                  </a:solidFill>
-                  <a:latin typeface="メイリオ" panose="020B0604030504040204" pitchFamily="50" charset="-128"/>
-                  <a:ea typeface="メイリオ" panose="020B0604030504040204" pitchFamily="50" charset="-128"/>
-                  <a:cs typeface="メイリオ" pitchFamily="50" charset="-128"/>
-                </a:endParaRPr>
               </a:p>
             </p:txBody>
           </p:sp>
@@ -3790,8 +3782,8 @@
             </p:nvSpPr>
             <p:spPr bwMode="auto">
               <a:xfrm rot="5400000" flipH="1">
-                <a:off x="7869505" y="3390625"/>
-                <a:ext cx="530128" cy="314315"/>
+                <a:off x="7865297" y="3394836"/>
+                <a:ext cx="530128" cy="305895"/>
               </a:xfrm>
               <a:prstGeom prst="triangle">
                 <a:avLst/>
@@ -3994,14 +3986,6 @@
                   </a:rPr>
                   <a:t>REP_001</a:t>
                 </a:r>
-                <a:endParaRPr lang="en-US" altLang="ja-JP" sz="2400" dirty="0">
-                  <a:solidFill>
-                    <a:schemeClr val="tx1"/>
-                  </a:solidFill>
-                  <a:latin typeface="メイリオ" panose="020B0604030504040204" pitchFamily="50" charset="-128"/>
-                  <a:ea typeface="メイリオ" panose="020B0604030504040204" pitchFamily="50" charset="-128"/>
-                  <a:cs typeface="メイリオ" pitchFamily="50" charset="-128"/>
-                </a:endParaRPr>
               </a:p>
             </p:txBody>
           </p:sp>
@@ -4148,14 +4132,6 @@
                 </a:rPr>
                 <a:t>TCPCEP_000</a:t>
               </a:r>
-              <a:endParaRPr lang="en-US" altLang="ja-JP" sz="2400" dirty="0">
-                <a:solidFill>
-                  <a:schemeClr val="tx1"/>
-                </a:solidFill>
-                <a:latin typeface="メイリオ" panose="020B0604030504040204" pitchFamily="50" charset="-128"/>
-                <a:ea typeface="メイリオ" panose="020B0604030504040204" pitchFamily="50" charset="-128"/>
-                <a:cs typeface="メイリオ" pitchFamily="50" charset="-128"/>
-              </a:endParaRPr>
             </a:p>
           </p:txBody>
         </p:sp>
@@ -4168,8 +4144,8 @@
         </p:nvGrpSpPr>
         <p:grpSpPr>
           <a:xfrm>
-            <a:off x="6901532" y="899321"/>
-            <a:ext cx="5195215" cy="3619501"/>
+            <a:off x="6901535" y="123986"/>
+            <a:ext cx="5195215" cy="2681208"/>
             <a:chOff x="6850731" y="4017398"/>
             <a:chExt cx="5195214" cy="2316594"/>
           </a:xfrm>
@@ -4285,14 +4261,6 @@
                   </a:rPr>
                   <a:t>REP_000</a:t>
                 </a:r>
-                <a:endParaRPr lang="en-US" altLang="ja-JP" sz="2400" dirty="0">
-                  <a:solidFill>
-                    <a:schemeClr val="tx1"/>
-                  </a:solidFill>
-                  <a:latin typeface="メイリオ" panose="020B0604030504040204" pitchFamily="50" charset="-128"/>
-                  <a:ea typeface="メイリオ" panose="020B0604030504040204" pitchFamily="50" charset="-128"/>
-                  <a:cs typeface="メイリオ" pitchFamily="50" charset="-128"/>
-                </a:endParaRPr>
               </a:p>
             </p:txBody>
           </p:sp>
@@ -4453,14 +4421,6 @@
                   </a:rPr>
                   <a:t>REP_001</a:t>
                 </a:r>
-                <a:endParaRPr lang="en-US" altLang="ja-JP" sz="2400" dirty="0">
-                  <a:solidFill>
-                    <a:schemeClr val="tx1"/>
-                  </a:solidFill>
-                  <a:latin typeface="メイリオ" panose="020B0604030504040204" pitchFamily="50" charset="-128"/>
-                  <a:ea typeface="メイリオ" panose="020B0604030504040204" pitchFamily="50" charset="-128"/>
-                  <a:cs typeface="メイリオ" pitchFamily="50" charset="-128"/>
-                </a:endParaRPr>
               </a:p>
             </p:txBody>
           </p:sp>
@@ -4605,14 +4565,6 @@
                 </a:rPr>
                 <a:t>TCPCEP_000</a:t>
               </a:r>
-              <a:endParaRPr lang="en-US" altLang="ja-JP" sz="2400" dirty="0">
-                <a:solidFill>
-                  <a:schemeClr val="tx1"/>
-                </a:solidFill>
-                <a:latin typeface="メイリオ" panose="020B0604030504040204" pitchFamily="50" charset="-128"/>
-                <a:ea typeface="メイリオ" panose="020B0604030504040204" pitchFamily="50" charset="-128"/>
-                <a:cs typeface="メイリオ" pitchFamily="50" charset="-128"/>
-              </a:endParaRPr>
             </a:p>
           </p:txBody>
         </p:sp>
@@ -4625,7 +4577,7 @@
         </p:nvSpPr>
         <p:spPr>
           <a:xfrm rot="5400000">
-            <a:off x="5855669" y="2307299"/>
+            <a:off x="5855669" y="1038095"/>
             <a:ext cx="484632" cy="803545"/>
           </a:xfrm>
           <a:prstGeom prst="upDownArrow">
@@ -4665,14 +4617,14 @@
       </p:sp>
       <p:sp>
         <p:nvSpPr>
-          <p:cNvPr id="23" name="二等辺三角形 22"/>
+          <p:cNvPr id="26" name="二等辺三角形 25"/>
           <p:cNvSpPr/>
           <p:nvPr/>
         </p:nvSpPr>
         <p:spPr bwMode="auto">
           <a:xfrm rot="5400000" flipH="1">
-            <a:off x="3199847" y="3544970"/>
-            <a:ext cx="522486" cy="314315"/>
+            <a:off x="10051391" y="603033"/>
+            <a:ext cx="387040" cy="305895"/>
           </a:xfrm>
           <a:prstGeom prst="triangle">
             <a:avLst/>
@@ -4722,14 +4674,14 @@
       </p:sp>
       <p:sp>
         <p:nvSpPr>
-          <p:cNvPr id="24" name="二等辺三角形 23"/>
+          <p:cNvPr id="27" name="二等辺三角形 26"/>
           <p:cNvSpPr/>
           <p:nvPr/>
         </p:nvSpPr>
         <p:spPr bwMode="auto">
           <a:xfrm rot="5400000" flipH="1">
-            <a:off x="9987874" y="3555891"/>
-            <a:ext cx="522486" cy="314315"/>
+            <a:off x="10051390" y="2029653"/>
+            <a:ext cx="387040" cy="305895"/>
           </a:xfrm>
           <a:prstGeom prst="triangle">
             <a:avLst/>
@@ -4779,14 +4731,14 @@
       </p:sp>
       <p:sp>
         <p:nvSpPr>
-          <p:cNvPr id="25" name="二等辺三角形 24"/>
+          <p:cNvPr id="28" name="二等辺三角形 27"/>
           <p:cNvSpPr/>
           <p:nvPr/>
         </p:nvSpPr>
         <p:spPr bwMode="auto">
           <a:xfrm rot="5400000" flipH="1">
-            <a:off x="9987873" y="1580952"/>
-            <a:ext cx="522486" cy="314315"/>
+            <a:off x="3256889" y="2028602"/>
+            <a:ext cx="387040" cy="305895"/>
           </a:xfrm>
           <a:prstGeom prst="triangle">
             <a:avLst/>
@@ -4900,9 +4852,9 @@
         <a:latin typeface="Calibri Light" panose="020F0302020204030204"/>
         <a:ea typeface=""/>
         <a:cs typeface=""/>
-        <a:font script="Jpan" typeface="ＭＳ Ｐゴシック"/>
+        <a:font script="Jpan" typeface="游ゴシック Light"/>
         <a:font script="Hang" typeface="맑은 고딕"/>
-        <a:font script="Hans" typeface="宋体"/>
+        <a:font script="Hans" typeface="等线 Light"/>
         <a:font script="Hant" typeface="新細明體"/>
         <a:font script="Arab" typeface="Times New Roman"/>
         <a:font script="Hebr" typeface="Times New Roman"/>
@@ -4935,9 +4887,9 @@
         <a:latin typeface="Calibri" panose="020F0502020204030204"/>
         <a:ea typeface=""/>
         <a:cs typeface=""/>
-        <a:font script="Jpan" typeface="ＭＳ Ｐゴシック"/>
+        <a:font script="Jpan" typeface="游ゴシック"/>
         <a:font script="Hang" typeface="맑은 고딕"/>
-        <a:font script="Hans" typeface="宋体"/>
+        <a:font script="Hans" typeface="等线"/>
         <a:font script="Hant" typeface="新細明體"/>
         <a:font script="Arab" typeface="Arial"/>
         <a:font script="Hebr" typeface="Arial"/>
